--- a/fig/ft_cco.pptx
+++ b/fig/ft_cco.pptx
@@ -5,14 +5,15 @@
     <p:sldMasterId id="2147483648" r:id="rId1"/>
   </p:sldMasterIdLst>
   <p:notesMasterIdLst>
-    <p:notesMasterId r:id="rId7"/>
+    <p:notesMasterId r:id="rId8"/>
   </p:notesMasterIdLst>
   <p:sldIdLst>
     <p:sldId id="257" r:id="rId2"/>
     <p:sldId id="263" r:id="rId3"/>
-    <p:sldId id="262" r:id="rId4"/>
-    <p:sldId id="261" r:id="rId5"/>
-    <p:sldId id="258" r:id="rId6"/>
+    <p:sldId id="264" r:id="rId4"/>
+    <p:sldId id="262" r:id="rId5"/>
+    <p:sldId id="261" r:id="rId6"/>
+    <p:sldId id="258" r:id="rId7"/>
   </p:sldIdLst>
   <p:sldSz cx="9144000" cy="6858000" type="screen4x3"/>
   <p:notesSz cx="6858000" cy="9144000"/>
@@ -196,7 +197,7 @@
           <a:p>
             <a:fld id="{D9144320-1641-2747-A8A6-9E57C682F9AA}" type="datetimeFigureOut">
               <a:rPr lang="en-US" smtClean="0"/>
-              <a:t>10/23/14</a:t>
+              <a:t>2/3/16</a:t>
             </a:fld>
             <a:endParaRPr lang="en-US"/>
           </a:p>
@@ -800,6 +801,90 @@
 </p:notes>
 </file>
 
+<file path=ppt/notesSlides/notesSlide5.xml><?xml version="1.0" encoding="utf-8"?>
+<p:notes xmlns:a="http://schemas.openxmlformats.org/drawingml/2006/main" xmlns:r="http://schemas.openxmlformats.org/officeDocument/2006/relationships" xmlns:p="http://schemas.openxmlformats.org/presentationml/2006/main">
+  <p:cSld>
+    <p:spTree>
+      <p:nvGrpSpPr>
+        <p:cNvPr id="1" name=""/>
+        <p:cNvGrpSpPr/>
+        <p:nvPr/>
+      </p:nvGrpSpPr>
+      <p:grpSpPr>
+        <a:xfrm>
+          <a:off x="0" y="0"/>
+          <a:ext cx="0" cy="0"/>
+          <a:chOff x="0" y="0"/>
+          <a:chExt cx="0" cy="0"/>
+        </a:xfrm>
+      </p:grpSpPr>
+      <p:sp>
+        <p:nvSpPr>
+          <p:cNvPr id="2" name="Slide Image Placeholder 1"/>
+          <p:cNvSpPr>
+            <a:spLocks noGrp="1" noRot="1" noChangeAspect="1"/>
+          </p:cNvSpPr>
+          <p:nvPr>
+            <p:ph type="sldImg"/>
+          </p:nvPr>
+        </p:nvSpPr>
+        <p:spPr/>
+      </p:sp>
+      <p:sp>
+        <p:nvSpPr>
+          <p:cNvPr id="3" name="Notes Placeholder 2"/>
+          <p:cNvSpPr>
+            <a:spLocks noGrp="1"/>
+          </p:cNvSpPr>
+          <p:nvPr>
+            <p:ph type="body" idx="1"/>
+          </p:nvPr>
+        </p:nvSpPr>
+        <p:spPr/>
+        <p:txBody>
+          <a:bodyPr/>
+          <a:lstStyle/>
+          <a:p>
+            <a:endParaRPr lang="en-US" dirty="0"/>
+          </a:p>
+        </p:txBody>
+      </p:sp>
+      <p:sp>
+        <p:nvSpPr>
+          <p:cNvPr id="4" name="Slide Number Placeholder 3"/>
+          <p:cNvSpPr>
+            <a:spLocks noGrp="1"/>
+          </p:cNvSpPr>
+          <p:nvPr>
+            <p:ph type="sldNum" sz="quarter" idx="10"/>
+          </p:nvPr>
+        </p:nvSpPr>
+        <p:spPr/>
+        <p:txBody>
+          <a:bodyPr/>
+          <a:lstStyle/>
+          <a:p>
+            <a:fld id="{DA16BCC1-4194-EA44-A8A7-90416414FF24}" type="slidenum">
+              <a:rPr lang="en-US" smtClean="0"/>
+              <a:t>5</a:t>
+            </a:fld>
+            <a:endParaRPr lang="en-US"/>
+          </a:p>
+        </p:txBody>
+      </p:sp>
+    </p:spTree>
+    <p:extLst>
+      <p:ext uri="{BB962C8B-B14F-4D97-AF65-F5344CB8AC3E}">
+        <p14:creationId xmlns:p14="http://schemas.microsoft.com/office/powerpoint/2010/main" val="2147739977"/>
+      </p:ext>
+    </p:extLst>
+  </p:cSld>
+  <p:clrMapOvr>
+    <a:masterClrMapping/>
+  </p:clrMapOvr>
+</p:notes>
+</file>
+
 <file path=ppt/slideLayouts/slideLayout1.xml><?xml version="1.0" encoding="utf-8"?>
 <p:sldLayout xmlns:a="http://schemas.openxmlformats.org/drawingml/2006/main" xmlns:r="http://schemas.openxmlformats.org/officeDocument/2006/relationships" xmlns:p="http://schemas.openxmlformats.org/presentationml/2006/main" type="title" preserve="1">
   <p:cSld name="Title Slide">
@@ -981,7 +1066,7 @@
           <a:p>
             <a:fld id="{CF5FF764-2F53-A945-AC41-41514FEFD95B}" type="datetimeFigureOut">
               <a:rPr lang="en-US" smtClean="0"/>
-              <a:t>10/23/14</a:t>
+              <a:t>2/3/16</a:t>
             </a:fld>
             <a:endParaRPr lang="en-US"/>
           </a:p>
@@ -1151,7 +1236,7 @@
           <a:p>
             <a:fld id="{CF5FF764-2F53-A945-AC41-41514FEFD95B}" type="datetimeFigureOut">
               <a:rPr lang="en-US" smtClean="0"/>
-              <a:t>10/23/14</a:t>
+              <a:t>2/3/16</a:t>
             </a:fld>
             <a:endParaRPr lang="en-US"/>
           </a:p>
@@ -1331,7 +1416,7 @@
           <a:p>
             <a:fld id="{CF5FF764-2F53-A945-AC41-41514FEFD95B}" type="datetimeFigureOut">
               <a:rPr lang="en-US" smtClean="0"/>
-              <a:t>10/23/14</a:t>
+              <a:t>2/3/16</a:t>
             </a:fld>
             <a:endParaRPr lang="en-US"/>
           </a:p>
@@ -1501,7 +1586,7 @@
           <a:p>
             <a:fld id="{CF5FF764-2F53-A945-AC41-41514FEFD95B}" type="datetimeFigureOut">
               <a:rPr lang="en-US" smtClean="0"/>
-              <a:t>10/23/14</a:t>
+              <a:t>2/3/16</a:t>
             </a:fld>
             <a:endParaRPr lang="en-US"/>
           </a:p>
@@ -1747,7 +1832,7 @@
           <a:p>
             <a:fld id="{CF5FF764-2F53-A945-AC41-41514FEFD95B}" type="datetimeFigureOut">
               <a:rPr lang="en-US" smtClean="0"/>
-              <a:t>10/23/14</a:t>
+              <a:t>2/3/16</a:t>
             </a:fld>
             <a:endParaRPr lang="en-US"/>
           </a:p>
@@ -2035,7 +2120,7 @@
           <a:p>
             <a:fld id="{CF5FF764-2F53-A945-AC41-41514FEFD95B}" type="datetimeFigureOut">
               <a:rPr lang="en-US" smtClean="0"/>
-              <a:t>10/23/14</a:t>
+              <a:t>2/3/16</a:t>
             </a:fld>
             <a:endParaRPr lang="en-US"/>
           </a:p>
@@ -2457,7 +2542,7 @@
           <a:p>
             <a:fld id="{CF5FF764-2F53-A945-AC41-41514FEFD95B}" type="datetimeFigureOut">
               <a:rPr lang="en-US" smtClean="0"/>
-              <a:t>10/23/14</a:t>
+              <a:t>2/3/16</a:t>
             </a:fld>
             <a:endParaRPr lang="en-US"/>
           </a:p>
@@ -2575,7 +2660,7 @@
           <a:p>
             <a:fld id="{CF5FF764-2F53-A945-AC41-41514FEFD95B}" type="datetimeFigureOut">
               <a:rPr lang="en-US" smtClean="0"/>
-              <a:t>10/23/14</a:t>
+              <a:t>2/3/16</a:t>
             </a:fld>
             <a:endParaRPr lang="en-US"/>
           </a:p>
@@ -2670,7 +2755,7 @@
           <a:p>
             <a:fld id="{CF5FF764-2F53-A945-AC41-41514FEFD95B}" type="datetimeFigureOut">
               <a:rPr lang="en-US" smtClean="0"/>
-              <a:t>10/23/14</a:t>
+              <a:t>2/3/16</a:t>
             </a:fld>
             <a:endParaRPr lang="en-US"/>
           </a:p>
@@ -2947,7 +3032,7 @@
           <a:p>
             <a:fld id="{CF5FF764-2F53-A945-AC41-41514FEFD95B}" type="datetimeFigureOut">
               <a:rPr lang="en-US" smtClean="0"/>
-              <a:t>10/23/14</a:t>
+              <a:t>2/3/16</a:t>
             </a:fld>
             <a:endParaRPr lang="en-US"/>
           </a:p>
@@ -3200,7 +3285,7 @@
           <a:p>
             <a:fld id="{CF5FF764-2F53-A945-AC41-41514FEFD95B}" type="datetimeFigureOut">
               <a:rPr lang="en-US" smtClean="0"/>
-              <a:t>10/23/14</a:t>
+              <a:t>2/3/16</a:t>
             </a:fld>
             <a:endParaRPr lang="en-US"/>
           </a:p>
@@ -3413,7 +3498,7 @@
           <a:p>
             <a:fld id="{CF5FF764-2F53-A945-AC41-41514FEFD95B}" type="datetimeFigureOut">
               <a:rPr lang="en-US" smtClean="0"/>
-              <a:t>10/23/14</a:t>
+              <a:t>2/3/16</a:t>
             </a:fld>
             <a:endParaRPr lang="en-US"/>
           </a:p>
@@ -4849,6 +4934,1315 @@
 </file>
 
 <file path=ppt/slides/slide2.xml><?xml version="1.0" encoding="utf-8"?>
+<p:sld xmlns:a="http://schemas.openxmlformats.org/drawingml/2006/main" xmlns:r="http://schemas.openxmlformats.org/officeDocument/2006/relationships" xmlns:p="http://schemas.openxmlformats.org/presentationml/2006/main">
+  <p:cSld>
+    <p:spTree>
+      <p:nvGrpSpPr>
+        <p:cNvPr id="1" name=""/>
+        <p:cNvGrpSpPr/>
+        <p:nvPr/>
+      </p:nvGrpSpPr>
+      <p:grpSpPr>
+        <a:xfrm>
+          <a:off x="0" y="0"/>
+          <a:ext cx="0" cy="0"/>
+          <a:chOff x="0" y="0"/>
+          <a:chExt cx="0" cy="0"/>
+        </a:xfrm>
+      </p:grpSpPr>
+      <p:grpSp>
+        <p:nvGrpSpPr>
+          <p:cNvPr id="4" name="Group 3"/>
+          <p:cNvGrpSpPr/>
+          <p:nvPr/>
+        </p:nvGrpSpPr>
+        <p:grpSpPr>
+          <a:xfrm>
+            <a:off x="2038893" y="-410315"/>
+            <a:ext cx="4347237" cy="6213249"/>
+            <a:chOff x="2038893" y="-410315"/>
+            <a:chExt cx="4347237" cy="6213249"/>
+          </a:xfrm>
+        </p:grpSpPr>
+        <p:cxnSp>
+          <p:nvCxnSpPr>
+            <p:cNvPr id="39" name="Straight Arrow Connector 38"/>
+            <p:cNvCxnSpPr>
+              <a:endCxn id="49" idx="0"/>
+            </p:cNvCxnSpPr>
+            <p:nvPr/>
+          </p:nvCxnSpPr>
+          <p:spPr>
+            <a:xfrm>
+              <a:off x="5241559" y="-410315"/>
+              <a:ext cx="0" cy="214921"/>
+            </a:xfrm>
+            <a:prstGeom prst="straightConnector1">
+              <a:avLst/>
+            </a:prstGeom>
+            <a:ln>
+              <a:tailEnd type="arrow"/>
+            </a:ln>
+          </p:spPr>
+          <p:style>
+            <a:lnRef idx="2">
+              <a:schemeClr val="accent1"/>
+            </a:lnRef>
+            <a:fillRef idx="0">
+              <a:schemeClr val="accent1"/>
+            </a:fillRef>
+            <a:effectRef idx="1">
+              <a:schemeClr val="accent1"/>
+            </a:effectRef>
+            <a:fontRef idx="minor">
+              <a:schemeClr val="tx1"/>
+            </a:fontRef>
+          </p:style>
+        </p:cxnSp>
+        <p:grpSp>
+          <p:nvGrpSpPr>
+            <p:cNvPr id="2" name="Group 1"/>
+            <p:cNvGrpSpPr/>
+            <p:nvPr/>
+          </p:nvGrpSpPr>
+          <p:grpSpPr>
+            <a:xfrm>
+              <a:off x="2038893" y="-323336"/>
+              <a:ext cx="4347237" cy="6126270"/>
+              <a:chOff x="2038893" y="-323336"/>
+              <a:chExt cx="4347237" cy="6126270"/>
+            </a:xfrm>
+          </p:grpSpPr>
+          <p:sp>
+            <p:nvSpPr>
+              <p:cNvPr id="25" name="Rectangle 24"/>
+              <p:cNvSpPr/>
+              <p:nvPr/>
+            </p:nvSpPr>
+            <p:spPr>
+              <a:xfrm>
+                <a:off x="4044462" y="2847741"/>
+                <a:ext cx="2289144" cy="297952"/>
+              </a:xfrm>
+              <a:prstGeom prst="rect">
+                <a:avLst/>
+              </a:prstGeom>
+              <a:noFill/>
+            </p:spPr>
+            <p:style>
+              <a:lnRef idx="2">
+                <a:schemeClr val="accent6"/>
+              </a:lnRef>
+              <a:fillRef idx="1">
+                <a:schemeClr val="lt1"/>
+              </a:fillRef>
+              <a:effectRef idx="0">
+                <a:schemeClr val="accent6"/>
+              </a:effectRef>
+              <a:fontRef idx="minor">
+                <a:schemeClr val="dk1"/>
+              </a:fontRef>
+            </p:style>
+            <p:txBody>
+              <a:bodyPr rtlCol="0" anchor="ctr"/>
+              <a:lstStyle/>
+              <a:p>
+                <a:pPr algn="ctr"/>
+                <a:r>
+                  <a:rPr lang="en-US" dirty="0" err="1" smtClean="0"/>
+                  <a:t>MPI_Ialltoall</a:t>
+                </a:r>
+                <a:r>
+                  <a:rPr lang="en-US" dirty="0"/>
+                  <a:t> </a:t>
+                </a:r>
+                <a:r>
+                  <a:rPr lang="en-US" dirty="0" smtClean="0"/>
+                  <a:t>(I)</a:t>
+                </a:r>
+                <a:endParaRPr lang="en-US" dirty="0"/>
+              </a:p>
+            </p:txBody>
+          </p:sp>
+          <p:sp>
+            <p:nvSpPr>
+              <p:cNvPr id="26" name="Rectangle 25"/>
+              <p:cNvSpPr/>
+              <p:nvPr/>
+            </p:nvSpPr>
+            <p:spPr>
+              <a:xfrm>
+                <a:off x="4035187" y="2396063"/>
+                <a:ext cx="2289142" cy="319783"/>
+              </a:xfrm>
+              <a:prstGeom prst="rect">
+                <a:avLst/>
+              </a:prstGeom>
+              <a:noFill/>
+            </p:spPr>
+            <p:style>
+              <a:lnRef idx="2">
+                <a:schemeClr val="accent6"/>
+              </a:lnRef>
+              <a:fillRef idx="1">
+                <a:schemeClr val="lt1"/>
+              </a:fillRef>
+              <a:effectRef idx="0">
+                <a:schemeClr val="accent6"/>
+              </a:effectRef>
+              <a:fontRef idx="minor">
+                <a:schemeClr val="dk1"/>
+              </a:fontRef>
+            </p:style>
+            <p:txBody>
+              <a:bodyPr rtlCol="0" anchor="ctr"/>
+              <a:lstStyle/>
+              <a:p>
+                <a:pPr algn="ctr"/>
+                <a:r>
+                  <a:rPr lang="en-US" dirty="0" err="1" smtClean="0"/>
+                  <a:t>MPI_Wait</a:t>
+                </a:r>
+                <a:r>
+                  <a:rPr lang="en-US" dirty="0" smtClean="0"/>
+                  <a:t> (I-1)</a:t>
+                </a:r>
+                <a:endParaRPr lang="en-US" dirty="0"/>
+              </a:p>
+            </p:txBody>
+          </p:sp>
+          <p:cxnSp>
+            <p:nvCxnSpPr>
+              <p:cNvPr id="33" name="Straight Arrow Connector 32"/>
+              <p:cNvCxnSpPr>
+                <a:stCxn id="49" idx="2"/>
+                <a:endCxn id="53" idx="0"/>
+              </p:cNvCxnSpPr>
+              <p:nvPr/>
+            </p:nvCxnSpPr>
+            <p:spPr>
+              <a:xfrm flipH="1">
+                <a:off x="5202474" y="194732"/>
+                <a:ext cx="39085" cy="235108"/>
+              </a:xfrm>
+              <a:prstGeom prst="straightConnector1">
+                <a:avLst/>
+              </a:prstGeom>
+              <a:ln>
+                <a:tailEnd type="arrow"/>
+              </a:ln>
+            </p:spPr>
+            <p:style>
+              <a:lnRef idx="2">
+                <a:schemeClr val="accent1"/>
+              </a:lnRef>
+              <a:fillRef idx="0">
+                <a:schemeClr val="accent1"/>
+              </a:fillRef>
+              <a:effectRef idx="1">
+                <a:schemeClr val="accent1"/>
+              </a:effectRef>
+              <a:fontRef idx="minor">
+                <a:schemeClr val="tx1"/>
+              </a:fontRef>
+            </p:style>
+          </p:cxnSp>
+          <p:sp>
+            <p:nvSpPr>
+              <p:cNvPr id="27" name="Rectangle 26"/>
+              <p:cNvSpPr/>
+              <p:nvPr/>
+            </p:nvSpPr>
+            <p:spPr>
+              <a:xfrm>
+                <a:off x="4044462" y="1076528"/>
+                <a:ext cx="2289144" cy="1209472"/>
+              </a:xfrm>
+              <a:prstGeom prst="rect">
+                <a:avLst/>
+              </a:prstGeom>
+              <a:noFill/>
+            </p:spPr>
+            <p:style>
+              <a:lnRef idx="2">
+                <a:schemeClr val="accent3"/>
+              </a:lnRef>
+              <a:fillRef idx="1">
+                <a:schemeClr val="lt1"/>
+              </a:fillRef>
+              <a:effectRef idx="0">
+                <a:schemeClr val="accent3"/>
+              </a:effectRef>
+              <a:fontRef idx="minor">
+                <a:schemeClr val="dk1"/>
+              </a:fontRef>
+            </p:style>
+            <p:txBody>
+              <a:bodyPr rtlCol="0" anchor="ctr"/>
+              <a:lstStyle/>
+              <a:p>
+                <a:pPr algn="ctr"/>
+                <a:endParaRPr lang="en-US" dirty="0"/>
+              </a:p>
+            </p:txBody>
+          </p:sp>
+          <p:sp>
+            <p:nvSpPr>
+              <p:cNvPr id="31" name="Rectangle 30"/>
+              <p:cNvSpPr/>
+              <p:nvPr/>
+            </p:nvSpPr>
+            <p:spPr>
+              <a:xfrm>
+                <a:off x="4414068" y="1230923"/>
+                <a:ext cx="1564700" cy="326259"/>
+              </a:xfrm>
+              <a:prstGeom prst="rect">
+                <a:avLst/>
+              </a:prstGeom>
+              <a:noFill/>
+            </p:spPr>
+            <p:style>
+              <a:lnRef idx="2">
+                <a:schemeClr val="accent6"/>
+              </a:lnRef>
+              <a:fillRef idx="1">
+                <a:schemeClr val="lt1"/>
+              </a:fillRef>
+              <a:effectRef idx="0">
+                <a:schemeClr val="accent6"/>
+              </a:effectRef>
+              <a:fontRef idx="minor">
+                <a:schemeClr val="dk1"/>
+              </a:fontRef>
+            </p:style>
+            <p:txBody>
+              <a:bodyPr rtlCol="0" anchor="ctr"/>
+              <a:lstStyle/>
+              <a:p>
+                <a:pPr algn="ctr"/>
+                <a:r>
+                  <a:rPr lang="en-US" dirty="0" err="1" smtClean="0"/>
+                  <a:t>MPI_Test</a:t>
+                </a:r>
+                <a:endParaRPr lang="en-US" dirty="0"/>
+              </a:p>
+            </p:txBody>
+          </p:sp>
+          <p:cxnSp>
+            <p:nvCxnSpPr>
+              <p:cNvPr id="9" name="Elbow Connector 8"/>
+              <p:cNvCxnSpPr>
+                <a:stCxn id="31" idx="0"/>
+                <a:endCxn id="96" idx="2"/>
+              </p:cNvCxnSpPr>
+              <p:nvPr/>
+            </p:nvCxnSpPr>
+            <p:spPr>
+              <a:xfrm rot="16200000" flipH="1" flipV="1">
+                <a:off x="4750709" y="1667668"/>
+                <a:ext cx="882455" cy="8963"/>
+              </a:xfrm>
+              <a:prstGeom prst="bentConnector5">
+                <a:avLst>
+                  <a:gd name="adj1" fmla="val -8193"/>
+                  <a:gd name="adj2" fmla="val -10755841"/>
+                  <a:gd name="adj3" fmla="val 108192"/>
+                </a:avLst>
+              </a:prstGeom>
+              <a:ln>
+                <a:tailEnd type="arrow"/>
+              </a:ln>
+            </p:spPr>
+            <p:style>
+              <a:lnRef idx="2">
+                <a:schemeClr val="accent1"/>
+              </a:lnRef>
+              <a:fillRef idx="0">
+                <a:schemeClr val="accent1"/>
+              </a:fillRef>
+              <a:effectRef idx="1">
+                <a:schemeClr val="accent1"/>
+              </a:effectRef>
+              <a:fontRef idx="minor">
+                <a:schemeClr val="tx1"/>
+              </a:fontRef>
+            </p:style>
+          </p:cxnSp>
+          <p:sp>
+            <p:nvSpPr>
+              <p:cNvPr id="22" name="TextBox 21"/>
+              <p:cNvSpPr txBox="1"/>
+              <p:nvPr/>
+            </p:nvSpPr>
+            <p:spPr>
+              <a:xfrm>
+                <a:off x="2829201" y="1076528"/>
+                <a:ext cx="1057726" cy="369332"/>
+              </a:xfrm>
+              <a:prstGeom prst="rect">
+                <a:avLst/>
+              </a:prstGeom>
+              <a:noFill/>
+            </p:spPr>
+            <p:txBody>
+              <a:bodyPr wrap="none" rtlCol="0">
+                <a:spAutoFit/>
+              </a:bodyPr>
+              <a:lstStyle/>
+              <a:p>
+                <a:r>
+                  <a:rPr lang="en-US" dirty="0" smtClean="0"/>
+                  <a:t>Before (I)</a:t>
+                </a:r>
+                <a:endParaRPr lang="en-US" dirty="0"/>
+              </a:p>
+            </p:txBody>
+          </p:sp>
+          <p:sp>
+            <p:nvSpPr>
+              <p:cNvPr id="36" name="TextBox 35"/>
+              <p:cNvSpPr txBox="1"/>
+              <p:nvPr/>
+            </p:nvSpPr>
+            <p:spPr>
+              <a:xfrm>
+                <a:off x="2614283" y="4340111"/>
+                <a:ext cx="1088497" cy="369332"/>
+              </a:xfrm>
+              <a:prstGeom prst="rect">
+                <a:avLst/>
+              </a:prstGeom>
+              <a:noFill/>
+            </p:spPr>
+            <p:txBody>
+              <a:bodyPr wrap="none" rtlCol="0">
+                <a:spAutoFit/>
+              </a:bodyPr>
+              <a:lstStyle/>
+              <a:p>
+                <a:r>
+                  <a:rPr lang="en-US" dirty="0" smtClean="0"/>
+                  <a:t>After (I-1)</a:t>
+                </a:r>
+                <a:endParaRPr lang="en-US" dirty="0"/>
+              </a:p>
+            </p:txBody>
+          </p:sp>
+          <p:cxnSp>
+            <p:nvCxnSpPr>
+              <p:cNvPr id="45" name="Elbow Connector 44"/>
+              <p:cNvCxnSpPr>
+                <a:stCxn id="27" idx="0"/>
+                <a:endCxn id="161" idx="2"/>
+              </p:cNvCxnSpPr>
+              <p:nvPr/>
+            </p:nvCxnSpPr>
+            <p:spPr>
+              <a:xfrm rot="16200000" flipH="1">
+                <a:off x="3471646" y="2793915"/>
+                <a:ext cx="3436857" cy="2082"/>
+              </a:xfrm>
+              <a:prstGeom prst="bentConnector5">
+                <a:avLst>
+                  <a:gd name="adj1" fmla="val -2671"/>
+                  <a:gd name="adj2" fmla="val 65954467"/>
+                  <a:gd name="adj3" fmla="val 102672"/>
+                </a:avLst>
+              </a:prstGeom>
+              <a:ln>
+                <a:tailEnd type="arrow"/>
+              </a:ln>
+            </p:spPr>
+            <p:style>
+              <a:lnRef idx="2">
+                <a:schemeClr val="accent1"/>
+              </a:lnRef>
+              <a:fillRef idx="0">
+                <a:schemeClr val="accent1"/>
+              </a:fillRef>
+              <a:effectRef idx="1">
+                <a:schemeClr val="accent1"/>
+              </a:effectRef>
+              <a:fontRef idx="minor">
+                <a:schemeClr val="tx1"/>
+              </a:fontRef>
+            </p:style>
+          </p:cxnSp>
+          <p:sp>
+            <p:nvSpPr>
+              <p:cNvPr id="49" name="Rectangle 48"/>
+              <p:cNvSpPr/>
+              <p:nvPr/>
+            </p:nvSpPr>
+            <p:spPr>
+              <a:xfrm>
+                <a:off x="4096987" y="-195394"/>
+                <a:ext cx="2289143" cy="390126"/>
+              </a:xfrm>
+              <a:prstGeom prst="rect">
+                <a:avLst/>
+              </a:prstGeom>
+              <a:noFill/>
+            </p:spPr>
+            <p:style>
+              <a:lnRef idx="2">
+                <a:schemeClr val="accent3"/>
+              </a:lnRef>
+              <a:fillRef idx="1">
+                <a:schemeClr val="lt1"/>
+              </a:fillRef>
+              <a:effectRef idx="0">
+                <a:schemeClr val="accent3"/>
+              </a:effectRef>
+              <a:fontRef idx="minor">
+                <a:schemeClr val="dk1"/>
+              </a:fontRef>
+            </p:style>
+            <p:txBody>
+              <a:bodyPr rtlCol="0" anchor="ctr"/>
+              <a:lstStyle/>
+              <a:p>
+                <a:pPr algn="ctr"/>
+                <a:r>
+                  <a:rPr lang="en-US" dirty="0" smtClean="0"/>
+                  <a:t>Before (1)</a:t>
+                </a:r>
+                <a:endParaRPr lang="en-US" dirty="0"/>
+              </a:p>
+            </p:txBody>
+          </p:sp>
+          <p:sp>
+            <p:nvSpPr>
+              <p:cNvPr id="53" name="Rectangle 52"/>
+              <p:cNvSpPr/>
+              <p:nvPr/>
+            </p:nvSpPr>
+            <p:spPr>
+              <a:xfrm>
+                <a:off x="4057902" y="429840"/>
+                <a:ext cx="2289144" cy="419756"/>
+              </a:xfrm>
+              <a:prstGeom prst="rect">
+                <a:avLst/>
+              </a:prstGeom>
+              <a:noFill/>
+            </p:spPr>
+            <p:style>
+              <a:lnRef idx="2">
+                <a:schemeClr val="accent6"/>
+              </a:lnRef>
+              <a:fillRef idx="1">
+                <a:schemeClr val="lt1"/>
+              </a:fillRef>
+              <a:effectRef idx="0">
+                <a:schemeClr val="accent6"/>
+              </a:effectRef>
+              <a:fontRef idx="minor">
+                <a:schemeClr val="dk1"/>
+              </a:fontRef>
+            </p:style>
+            <p:txBody>
+              <a:bodyPr rtlCol="0" anchor="ctr"/>
+              <a:lstStyle/>
+              <a:p>
+                <a:pPr algn="ctr"/>
+                <a:r>
+                  <a:rPr lang="en-US" dirty="0" err="1" smtClean="0"/>
+                  <a:t>MPI_Ialltoall</a:t>
+                </a:r>
+                <a:r>
+                  <a:rPr lang="en-US" dirty="0"/>
+                  <a:t> </a:t>
+                </a:r>
+                <a:r>
+                  <a:rPr lang="en-US" dirty="0" smtClean="0"/>
+                  <a:t>(1)</a:t>
+                </a:r>
+                <a:endParaRPr lang="en-US" dirty="0"/>
+              </a:p>
+            </p:txBody>
+          </p:sp>
+          <p:sp>
+            <p:nvSpPr>
+              <p:cNvPr id="54" name="Rectangle 53"/>
+              <p:cNvSpPr/>
+              <p:nvPr/>
+            </p:nvSpPr>
+            <p:spPr>
+              <a:xfrm>
+                <a:off x="4049856" y="4740860"/>
+                <a:ext cx="2283750" cy="408465"/>
+              </a:xfrm>
+              <a:prstGeom prst="rect">
+                <a:avLst/>
+              </a:prstGeom>
+              <a:noFill/>
+            </p:spPr>
+            <p:style>
+              <a:lnRef idx="2">
+                <a:schemeClr val="accent6"/>
+              </a:lnRef>
+              <a:fillRef idx="1">
+                <a:schemeClr val="lt1"/>
+              </a:fillRef>
+              <a:effectRef idx="0">
+                <a:schemeClr val="accent6"/>
+              </a:effectRef>
+              <a:fontRef idx="minor">
+                <a:schemeClr val="dk1"/>
+              </a:fontRef>
+            </p:style>
+            <p:txBody>
+              <a:bodyPr rtlCol="0" anchor="ctr"/>
+              <a:lstStyle/>
+              <a:p>
+                <a:pPr algn="ctr"/>
+                <a:r>
+                  <a:rPr lang="en-US" dirty="0" err="1" smtClean="0"/>
+                  <a:t>MPI_Wait</a:t>
+                </a:r>
+                <a:r>
+                  <a:rPr lang="en-US" dirty="0" smtClean="0"/>
+                  <a:t> (N)</a:t>
+                </a:r>
+                <a:endParaRPr lang="en-US" dirty="0"/>
+              </a:p>
+            </p:txBody>
+          </p:sp>
+          <p:sp>
+            <p:nvSpPr>
+              <p:cNvPr id="55" name="Rectangle 54"/>
+              <p:cNvSpPr/>
+              <p:nvPr/>
+            </p:nvSpPr>
+            <p:spPr>
+              <a:xfrm>
+                <a:off x="4035187" y="5241363"/>
+                <a:ext cx="2283749" cy="366186"/>
+              </a:xfrm>
+              <a:prstGeom prst="rect">
+                <a:avLst/>
+              </a:prstGeom>
+              <a:noFill/>
+            </p:spPr>
+            <p:style>
+              <a:lnRef idx="2">
+                <a:schemeClr val="accent5"/>
+              </a:lnRef>
+              <a:fillRef idx="1">
+                <a:schemeClr val="lt1"/>
+              </a:fillRef>
+              <a:effectRef idx="0">
+                <a:schemeClr val="accent5"/>
+              </a:effectRef>
+              <a:fontRef idx="minor">
+                <a:schemeClr val="dk1"/>
+              </a:fontRef>
+            </p:style>
+            <p:txBody>
+              <a:bodyPr rtlCol="0" anchor="ctr"/>
+              <a:lstStyle/>
+              <a:p>
+                <a:pPr algn="ctr"/>
+                <a:r>
+                  <a:rPr lang="en-US" dirty="0" smtClean="0"/>
+                  <a:t>After (N)</a:t>
+                </a:r>
+                <a:endParaRPr lang="en-US" dirty="0"/>
+              </a:p>
+            </p:txBody>
+          </p:sp>
+          <p:cxnSp>
+            <p:nvCxnSpPr>
+              <p:cNvPr id="58" name="Straight Arrow Connector 57"/>
+              <p:cNvCxnSpPr>
+                <a:stCxn id="53" idx="2"/>
+                <a:endCxn id="27" idx="0"/>
+              </p:cNvCxnSpPr>
+              <p:nvPr/>
+            </p:nvCxnSpPr>
+            <p:spPr>
+              <a:xfrm flipH="1">
+                <a:off x="5189034" y="849596"/>
+                <a:ext cx="13440" cy="226932"/>
+              </a:xfrm>
+              <a:prstGeom prst="straightConnector1">
+                <a:avLst/>
+              </a:prstGeom>
+              <a:ln>
+                <a:tailEnd type="arrow"/>
+              </a:ln>
+            </p:spPr>
+            <p:style>
+              <a:lnRef idx="2">
+                <a:schemeClr val="accent1"/>
+              </a:lnRef>
+              <a:fillRef idx="0">
+                <a:schemeClr val="accent1"/>
+              </a:fillRef>
+              <a:effectRef idx="1">
+                <a:schemeClr val="accent1"/>
+              </a:effectRef>
+              <a:fontRef idx="minor">
+                <a:schemeClr val="tx1"/>
+              </a:fontRef>
+            </p:style>
+          </p:cxnSp>
+          <p:cxnSp>
+            <p:nvCxnSpPr>
+              <p:cNvPr id="61" name="Straight Arrow Connector 60"/>
+              <p:cNvCxnSpPr>
+                <a:stCxn id="27" idx="2"/>
+                <a:endCxn id="26" idx="0"/>
+              </p:cNvCxnSpPr>
+              <p:nvPr/>
+            </p:nvCxnSpPr>
+            <p:spPr>
+              <a:xfrm flipH="1">
+                <a:off x="5179758" y="2286000"/>
+                <a:ext cx="9276" cy="110063"/>
+              </a:xfrm>
+              <a:prstGeom prst="straightConnector1">
+                <a:avLst/>
+              </a:prstGeom>
+              <a:ln>
+                <a:tailEnd type="arrow"/>
+              </a:ln>
+            </p:spPr>
+            <p:style>
+              <a:lnRef idx="2">
+                <a:schemeClr val="accent1"/>
+              </a:lnRef>
+              <a:fillRef idx="0">
+                <a:schemeClr val="accent1"/>
+              </a:fillRef>
+              <a:effectRef idx="1">
+                <a:schemeClr val="accent1"/>
+              </a:effectRef>
+              <a:fontRef idx="minor">
+                <a:schemeClr val="tx1"/>
+              </a:fontRef>
+            </p:style>
+          </p:cxnSp>
+          <p:cxnSp>
+            <p:nvCxnSpPr>
+              <p:cNvPr id="64" name="Straight Arrow Connector 63"/>
+              <p:cNvCxnSpPr>
+                <a:stCxn id="26" idx="2"/>
+                <a:endCxn id="25" idx="0"/>
+              </p:cNvCxnSpPr>
+              <p:nvPr/>
+            </p:nvCxnSpPr>
+            <p:spPr>
+              <a:xfrm>
+                <a:off x="5179758" y="2715846"/>
+                <a:ext cx="9276" cy="131895"/>
+              </a:xfrm>
+              <a:prstGeom prst="straightConnector1">
+                <a:avLst/>
+              </a:prstGeom>
+              <a:ln>
+                <a:tailEnd type="arrow"/>
+              </a:ln>
+            </p:spPr>
+            <p:style>
+              <a:lnRef idx="2">
+                <a:schemeClr val="accent1"/>
+              </a:lnRef>
+              <a:fillRef idx="0">
+                <a:schemeClr val="accent1"/>
+              </a:fillRef>
+              <a:effectRef idx="1">
+                <a:schemeClr val="accent1"/>
+              </a:effectRef>
+              <a:fontRef idx="minor">
+                <a:schemeClr val="tx1"/>
+              </a:fontRef>
+            </p:style>
+          </p:cxnSp>
+          <p:cxnSp>
+            <p:nvCxnSpPr>
+              <p:cNvPr id="67" name="Straight Arrow Connector 66"/>
+              <p:cNvCxnSpPr>
+                <a:stCxn id="25" idx="2"/>
+                <a:endCxn id="161" idx="0"/>
+              </p:cNvCxnSpPr>
+              <p:nvPr/>
+            </p:nvCxnSpPr>
+            <p:spPr>
+              <a:xfrm>
+                <a:off x="5189034" y="3145693"/>
+                <a:ext cx="2082" cy="119875"/>
+              </a:xfrm>
+              <a:prstGeom prst="straightConnector1">
+                <a:avLst/>
+              </a:prstGeom>
+              <a:ln>
+                <a:tailEnd type="arrow"/>
+              </a:ln>
+            </p:spPr>
+            <p:style>
+              <a:lnRef idx="2">
+                <a:schemeClr val="accent1"/>
+              </a:lnRef>
+              <a:fillRef idx="0">
+                <a:schemeClr val="accent1"/>
+              </a:fillRef>
+              <a:effectRef idx="1">
+                <a:schemeClr val="accent1"/>
+              </a:effectRef>
+              <a:fontRef idx="minor">
+                <a:schemeClr val="tx1"/>
+              </a:fontRef>
+            </p:style>
+          </p:cxnSp>
+          <p:cxnSp>
+            <p:nvCxnSpPr>
+              <p:cNvPr id="70" name="Straight Arrow Connector 69"/>
+              <p:cNvCxnSpPr>
+                <a:stCxn id="161" idx="2"/>
+                <a:endCxn id="54" idx="0"/>
+              </p:cNvCxnSpPr>
+              <p:nvPr/>
+            </p:nvCxnSpPr>
+            <p:spPr>
+              <a:xfrm>
+                <a:off x="5191116" y="4513385"/>
+                <a:ext cx="615" cy="227475"/>
+              </a:xfrm>
+              <a:prstGeom prst="straightConnector1">
+                <a:avLst/>
+              </a:prstGeom>
+              <a:ln>
+                <a:tailEnd type="arrow"/>
+              </a:ln>
+            </p:spPr>
+            <p:style>
+              <a:lnRef idx="2">
+                <a:schemeClr val="accent1"/>
+              </a:lnRef>
+              <a:fillRef idx="0">
+                <a:schemeClr val="accent1"/>
+              </a:fillRef>
+              <a:effectRef idx="1">
+                <a:schemeClr val="accent1"/>
+              </a:effectRef>
+              <a:fontRef idx="minor">
+                <a:schemeClr val="tx1"/>
+              </a:fontRef>
+            </p:style>
+          </p:cxnSp>
+          <p:cxnSp>
+            <p:nvCxnSpPr>
+              <p:cNvPr id="73" name="Straight Arrow Connector 72"/>
+              <p:cNvCxnSpPr>
+                <a:stCxn id="54" idx="2"/>
+                <a:endCxn id="55" idx="0"/>
+              </p:cNvCxnSpPr>
+              <p:nvPr/>
+            </p:nvCxnSpPr>
+            <p:spPr>
+              <a:xfrm flipH="1">
+                <a:off x="5177062" y="5149325"/>
+                <a:ext cx="14669" cy="92038"/>
+              </a:xfrm>
+              <a:prstGeom prst="straightConnector1">
+                <a:avLst/>
+              </a:prstGeom>
+              <a:ln>
+                <a:tailEnd type="arrow"/>
+              </a:ln>
+            </p:spPr>
+            <p:style>
+              <a:lnRef idx="2">
+                <a:schemeClr val="accent1"/>
+              </a:lnRef>
+              <a:fillRef idx="0">
+                <a:schemeClr val="accent1"/>
+              </a:fillRef>
+              <a:effectRef idx="1">
+                <a:schemeClr val="accent1"/>
+              </a:effectRef>
+              <a:fontRef idx="minor">
+                <a:schemeClr val="tx1"/>
+              </a:fontRef>
+            </p:style>
+          </p:cxnSp>
+          <p:cxnSp>
+            <p:nvCxnSpPr>
+              <p:cNvPr id="76" name="Straight Arrow Connector 75"/>
+              <p:cNvCxnSpPr>
+                <a:stCxn id="55" idx="2"/>
+              </p:cNvCxnSpPr>
+              <p:nvPr/>
+            </p:nvCxnSpPr>
+            <p:spPr>
+              <a:xfrm>
+                <a:off x="5177062" y="5607549"/>
+                <a:ext cx="0" cy="195385"/>
+              </a:xfrm>
+              <a:prstGeom prst="straightConnector1">
+                <a:avLst/>
+              </a:prstGeom>
+              <a:ln>
+                <a:tailEnd type="arrow"/>
+              </a:ln>
+            </p:spPr>
+            <p:style>
+              <a:lnRef idx="2">
+                <a:schemeClr val="accent1"/>
+              </a:lnRef>
+              <a:fillRef idx="0">
+                <a:schemeClr val="accent1"/>
+              </a:fillRef>
+              <a:effectRef idx="1">
+                <a:schemeClr val="accent1"/>
+              </a:effectRef>
+              <a:fontRef idx="minor">
+                <a:schemeClr val="tx1"/>
+              </a:fontRef>
+            </p:style>
+          </p:cxnSp>
+          <p:sp>
+            <p:nvSpPr>
+              <p:cNvPr id="84" name="TextBox 83"/>
+              <p:cNvSpPr txBox="1"/>
+              <p:nvPr/>
+            </p:nvSpPr>
+            <p:spPr>
+              <a:xfrm>
+                <a:off x="3601318" y="-323336"/>
+                <a:ext cx="364102" cy="369332"/>
+              </a:xfrm>
+              <a:prstGeom prst="rect">
+                <a:avLst/>
+              </a:prstGeom>
+              <a:noFill/>
+            </p:spPr>
+            <p:txBody>
+              <a:bodyPr wrap="none" rtlCol="0">
+                <a:spAutoFit/>
+              </a:bodyPr>
+              <a:lstStyle/>
+              <a:p>
+                <a:r>
+                  <a:rPr lang="en-US" dirty="0" smtClean="0"/>
+                  <a:t>In</a:t>
+                </a:r>
+                <a:endParaRPr lang="en-US" dirty="0"/>
+              </a:p>
+            </p:txBody>
+          </p:sp>
+          <p:sp>
+            <p:nvSpPr>
+              <p:cNvPr id="85" name="TextBox 84"/>
+              <p:cNvSpPr txBox="1"/>
+              <p:nvPr/>
+            </p:nvSpPr>
+            <p:spPr>
+              <a:xfrm>
+                <a:off x="3458387" y="5288026"/>
+                <a:ext cx="536099" cy="369332"/>
+              </a:xfrm>
+              <a:prstGeom prst="rect">
+                <a:avLst/>
+              </a:prstGeom>
+              <a:noFill/>
+            </p:spPr>
+            <p:txBody>
+              <a:bodyPr wrap="none" rtlCol="0">
+                <a:spAutoFit/>
+              </a:bodyPr>
+              <a:lstStyle/>
+              <a:p>
+                <a:r>
+                  <a:rPr lang="en-US" dirty="0" smtClean="0"/>
+                  <a:t>Out</a:t>
+                </a:r>
+                <a:endParaRPr lang="en-US" dirty="0"/>
+              </a:p>
+            </p:txBody>
+          </p:sp>
+          <p:sp>
+            <p:nvSpPr>
+              <p:cNvPr id="87" name="TextBox 86"/>
+              <p:cNvSpPr txBox="1"/>
+              <p:nvPr/>
+            </p:nvSpPr>
+            <p:spPr>
+              <a:xfrm>
+                <a:off x="2038893" y="4732065"/>
+                <a:ext cx="1803874" cy="369332"/>
+              </a:xfrm>
+              <a:prstGeom prst="rect">
+                <a:avLst/>
+              </a:prstGeom>
+              <a:noFill/>
+            </p:spPr>
+            <p:txBody>
+              <a:bodyPr wrap="none" rtlCol="0">
+                <a:spAutoFit/>
+              </a:bodyPr>
+              <a:lstStyle/>
+              <a:p>
+                <a:r>
+                  <a:rPr lang="en-US" dirty="0" smtClean="0"/>
+                  <a:t>(Insert </a:t>
+                </a:r>
+                <a:r>
+                  <a:rPr lang="en-US" dirty="0" err="1" smtClean="0"/>
+                  <a:t>MPI_Test</a:t>
+                </a:r>
+                <a:r>
+                  <a:rPr lang="en-US" dirty="0" smtClean="0"/>
+                  <a:t>)</a:t>
+                </a:r>
+                <a:endParaRPr lang="en-US" dirty="0"/>
+              </a:p>
+            </p:txBody>
+          </p:sp>
+          <p:sp>
+            <p:nvSpPr>
+              <p:cNvPr id="91" name="TextBox 90"/>
+              <p:cNvSpPr txBox="1"/>
+              <p:nvPr/>
+            </p:nvSpPr>
+            <p:spPr>
+              <a:xfrm>
+                <a:off x="2122129" y="1548666"/>
+                <a:ext cx="1803874" cy="369332"/>
+              </a:xfrm>
+              <a:prstGeom prst="rect">
+                <a:avLst/>
+              </a:prstGeom>
+              <a:noFill/>
+            </p:spPr>
+            <p:txBody>
+              <a:bodyPr wrap="none" rtlCol="0">
+                <a:spAutoFit/>
+              </a:bodyPr>
+              <a:lstStyle/>
+              <a:p>
+                <a:r>
+                  <a:rPr lang="en-US" dirty="0" smtClean="0"/>
+                  <a:t>(Insert </a:t>
+                </a:r>
+                <a:r>
+                  <a:rPr lang="en-US" dirty="0" err="1" smtClean="0"/>
+                  <a:t>MPI_Test</a:t>
+                </a:r>
+                <a:r>
+                  <a:rPr lang="en-US" dirty="0" smtClean="0"/>
+                  <a:t>)</a:t>
+                </a:r>
+                <a:endParaRPr lang="en-US" dirty="0"/>
+              </a:p>
+            </p:txBody>
+          </p:sp>
+          <p:sp>
+            <p:nvSpPr>
+              <p:cNvPr id="96" name="Rectangle 95"/>
+              <p:cNvSpPr/>
+              <p:nvPr/>
+            </p:nvSpPr>
+            <p:spPr>
+              <a:xfrm>
+                <a:off x="4396141" y="1758462"/>
+                <a:ext cx="1582627" cy="354916"/>
+              </a:xfrm>
+              <a:prstGeom prst="rect">
+                <a:avLst/>
+              </a:prstGeom>
+              <a:noFill/>
+            </p:spPr>
+            <p:style>
+              <a:lnRef idx="2">
+                <a:schemeClr val="accent1"/>
+              </a:lnRef>
+              <a:fillRef idx="1">
+                <a:schemeClr val="lt1"/>
+              </a:fillRef>
+              <a:effectRef idx="0">
+                <a:schemeClr val="accent1"/>
+              </a:effectRef>
+              <a:fontRef idx="minor">
+                <a:schemeClr val="dk1"/>
+              </a:fontRef>
+            </p:style>
+            <p:txBody>
+              <a:bodyPr rtlCol="0" anchor="ctr"/>
+              <a:lstStyle/>
+              <a:p>
+                <a:pPr algn="ctr"/>
+                <a:r>
+                  <a:rPr lang="en-US" dirty="0" smtClean="0"/>
+                  <a:t>Computation</a:t>
+                </a:r>
+                <a:endParaRPr lang="en-US" dirty="0"/>
+              </a:p>
+            </p:txBody>
+          </p:sp>
+          <p:cxnSp>
+            <p:nvCxnSpPr>
+              <p:cNvPr id="107" name="Straight Arrow Connector 106"/>
+              <p:cNvCxnSpPr>
+                <a:stCxn id="31" idx="2"/>
+                <a:endCxn id="96" idx="0"/>
+              </p:cNvCxnSpPr>
+              <p:nvPr/>
+            </p:nvCxnSpPr>
+            <p:spPr>
+              <a:xfrm flipH="1">
+                <a:off x="5187455" y="1557182"/>
+                <a:ext cx="8963" cy="201280"/>
+              </a:xfrm>
+              <a:prstGeom prst="straightConnector1">
+                <a:avLst/>
+              </a:prstGeom>
+              <a:ln>
+                <a:tailEnd type="arrow"/>
+              </a:ln>
+            </p:spPr>
+            <p:style>
+              <a:lnRef idx="2">
+                <a:schemeClr val="accent1"/>
+              </a:lnRef>
+              <a:fillRef idx="0">
+                <a:schemeClr val="accent1"/>
+              </a:fillRef>
+              <a:effectRef idx="1">
+                <a:schemeClr val="accent1"/>
+              </a:effectRef>
+              <a:fontRef idx="minor">
+                <a:schemeClr val="tx1"/>
+              </a:fontRef>
+            </p:style>
+          </p:cxnSp>
+          <p:sp>
+            <p:nvSpPr>
+              <p:cNvPr id="156" name="Rectangle 155"/>
+              <p:cNvSpPr/>
+              <p:nvPr/>
+            </p:nvSpPr>
+            <p:spPr>
+              <a:xfrm>
+                <a:off x="4396141" y="3442800"/>
+                <a:ext cx="1598261" cy="269508"/>
+              </a:xfrm>
+              <a:prstGeom prst="rect">
+                <a:avLst/>
+              </a:prstGeom>
+              <a:noFill/>
+            </p:spPr>
+            <p:style>
+              <a:lnRef idx="2">
+                <a:schemeClr val="accent6"/>
+              </a:lnRef>
+              <a:fillRef idx="1">
+                <a:schemeClr val="lt1"/>
+              </a:fillRef>
+              <a:effectRef idx="0">
+                <a:schemeClr val="accent6"/>
+              </a:effectRef>
+              <a:fontRef idx="minor">
+                <a:schemeClr val="dk1"/>
+              </a:fontRef>
+            </p:style>
+            <p:txBody>
+              <a:bodyPr rtlCol="0" anchor="ctr"/>
+              <a:lstStyle/>
+              <a:p>
+                <a:pPr algn="ctr"/>
+                <a:r>
+                  <a:rPr lang="en-US" dirty="0" err="1" smtClean="0"/>
+                  <a:t>MPI_Test</a:t>
+                </a:r>
+                <a:endParaRPr lang="en-US" dirty="0"/>
+              </a:p>
+            </p:txBody>
+          </p:sp>
+          <p:cxnSp>
+            <p:nvCxnSpPr>
+              <p:cNvPr id="157" name="Elbow Connector 156"/>
+              <p:cNvCxnSpPr>
+                <a:stCxn id="156" idx="0"/>
+                <a:endCxn id="158" idx="2"/>
+              </p:cNvCxnSpPr>
+              <p:nvPr/>
+            </p:nvCxnSpPr>
+            <p:spPr>
+              <a:xfrm rot="16200000" flipH="1">
+                <a:off x="4829823" y="3808248"/>
+                <a:ext cx="741007" cy="10110"/>
+              </a:xfrm>
+              <a:prstGeom prst="bentConnector5">
+                <a:avLst>
+                  <a:gd name="adj1" fmla="val -12393"/>
+                  <a:gd name="adj2" fmla="val 10188160"/>
+                  <a:gd name="adj3" fmla="val 115030"/>
+                </a:avLst>
+              </a:prstGeom>
+              <a:ln>
+                <a:tailEnd type="arrow"/>
+              </a:ln>
+            </p:spPr>
+            <p:style>
+              <a:lnRef idx="2">
+                <a:schemeClr val="accent1"/>
+              </a:lnRef>
+              <a:fillRef idx="0">
+                <a:schemeClr val="accent1"/>
+              </a:fillRef>
+              <a:effectRef idx="1">
+                <a:schemeClr val="accent1"/>
+              </a:effectRef>
+              <a:fontRef idx="minor">
+                <a:schemeClr val="tx1"/>
+              </a:fontRef>
+            </p:style>
+          </p:cxnSp>
+          <p:sp>
+            <p:nvSpPr>
+              <p:cNvPr id="158" name="Rectangle 157"/>
+              <p:cNvSpPr/>
+              <p:nvPr/>
+            </p:nvSpPr>
+            <p:spPr>
+              <a:xfrm>
+                <a:off x="4414068" y="3856769"/>
+                <a:ext cx="1582627" cy="327038"/>
+              </a:xfrm>
+              <a:prstGeom prst="rect">
+                <a:avLst/>
+              </a:prstGeom>
+              <a:noFill/>
+            </p:spPr>
+            <p:style>
+              <a:lnRef idx="2">
+                <a:schemeClr val="accent1"/>
+              </a:lnRef>
+              <a:fillRef idx="1">
+                <a:schemeClr val="lt1"/>
+              </a:fillRef>
+              <a:effectRef idx="0">
+                <a:schemeClr val="accent1"/>
+              </a:effectRef>
+              <a:fontRef idx="minor">
+                <a:schemeClr val="dk1"/>
+              </a:fontRef>
+            </p:style>
+            <p:txBody>
+              <a:bodyPr rtlCol="0" anchor="ctr"/>
+              <a:lstStyle/>
+              <a:p>
+                <a:pPr algn="ctr"/>
+                <a:r>
+                  <a:rPr lang="en-US" dirty="0" smtClean="0"/>
+                  <a:t>Computation</a:t>
+                </a:r>
+                <a:endParaRPr lang="en-US" dirty="0"/>
+              </a:p>
+            </p:txBody>
+          </p:sp>
+          <p:cxnSp>
+            <p:nvCxnSpPr>
+              <p:cNvPr id="159" name="Straight Arrow Connector 158"/>
+              <p:cNvCxnSpPr>
+                <a:stCxn id="156" idx="2"/>
+                <a:endCxn id="158" idx="0"/>
+              </p:cNvCxnSpPr>
+              <p:nvPr/>
+            </p:nvCxnSpPr>
+            <p:spPr>
+              <a:xfrm>
+                <a:off x="5195272" y="3712308"/>
+                <a:ext cx="10110" cy="144461"/>
+              </a:xfrm>
+              <a:prstGeom prst="straightConnector1">
+                <a:avLst/>
+              </a:prstGeom>
+              <a:ln>
+                <a:tailEnd type="arrow"/>
+              </a:ln>
+            </p:spPr>
+            <p:style>
+              <a:lnRef idx="2">
+                <a:schemeClr val="accent1"/>
+              </a:lnRef>
+              <a:fillRef idx="0">
+                <a:schemeClr val="accent1"/>
+              </a:fillRef>
+              <a:effectRef idx="1">
+                <a:schemeClr val="accent1"/>
+              </a:effectRef>
+              <a:fontRef idx="minor">
+                <a:schemeClr val="tx1"/>
+              </a:fontRef>
+            </p:style>
+          </p:cxnSp>
+          <p:sp>
+            <p:nvSpPr>
+              <p:cNvPr id="161" name="Rectangle 160"/>
+              <p:cNvSpPr/>
+              <p:nvPr/>
+            </p:nvSpPr>
+            <p:spPr>
+              <a:xfrm>
+                <a:off x="4057902" y="3265568"/>
+                <a:ext cx="2266427" cy="1247817"/>
+              </a:xfrm>
+              <a:prstGeom prst="rect">
+                <a:avLst/>
+              </a:prstGeom>
+              <a:noFill/>
+            </p:spPr>
+            <p:style>
+              <a:lnRef idx="2">
+                <a:schemeClr val="accent5"/>
+              </a:lnRef>
+              <a:fillRef idx="1">
+                <a:schemeClr val="lt1"/>
+              </a:fillRef>
+              <a:effectRef idx="0">
+                <a:schemeClr val="accent5"/>
+              </a:effectRef>
+              <a:fontRef idx="minor">
+                <a:schemeClr val="dk1"/>
+              </a:fontRef>
+            </p:style>
+            <p:txBody>
+              <a:bodyPr rtlCol="0" anchor="ctr"/>
+              <a:lstStyle/>
+              <a:p>
+                <a:pPr algn="ctr"/>
+                <a:endParaRPr lang="en-US" dirty="0"/>
+              </a:p>
+            </p:txBody>
+          </p:sp>
+        </p:grpSp>
+      </p:grpSp>
+    </p:spTree>
+    <p:extLst>
+      <p:ext uri="{BB962C8B-B14F-4D97-AF65-F5344CB8AC3E}">
+        <p14:creationId xmlns:p14="http://schemas.microsoft.com/office/powerpoint/2010/main" val="283329679"/>
+      </p:ext>
+    </p:extLst>
+  </p:cSld>
+  <p:clrMapOvr>
+    <a:masterClrMapping/>
+  </p:clrMapOvr>
+  <p:timing>
+    <p:tnLst>
+      <p:par>
+        <p:cTn xmlns:p14="http://schemas.microsoft.com/office/powerpoint/2010/main" id="1" dur="indefinite" restart="never" nodeType="tmRoot"/>
+      </p:par>
+    </p:tnLst>
+  </p:timing>
+</p:sld>
+</file>
+
+<file path=ppt/slides/slide3.xml><?xml version="1.0" encoding="utf-8"?>
 <p:sld xmlns:a="http://schemas.openxmlformats.org/drawingml/2006/main" xmlns:r="http://schemas.openxmlformats.org/officeDocument/2006/relationships" xmlns:p="http://schemas.openxmlformats.org/presentationml/2006/main">
   <p:cSld>
     <p:spTree>
@@ -6251,7 +7645,7 @@
     </p:spTree>
     <p:extLst>
       <p:ext uri="{BB962C8B-B14F-4D97-AF65-F5344CB8AC3E}">
-        <p14:creationId xmlns:p14="http://schemas.microsoft.com/office/powerpoint/2010/main" val="283329679"/>
+        <p14:creationId xmlns:p14="http://schemas.microsoft.com/office/powerpoint/2010/main" val="2411528809"/>
       </p:ext>
     </p:extLst>
   </p:cSld>
@@ -6268,7 +7662,7 @@
 </p:sld>
 </file>
 
-<file path=ppt/slides/slide3.xml><?xml version="1.0" encoding="utf-8"?>
+<file path=ppt/slides/slide4.xml><?xml version="1.0" encoding="utf-8"?>
 <p:sld xmlns:a="http://schemas.openxmlformats.org/drawingml/2006/main" xmlns:r="http://schemas.openxmlformats.org/officeDocument/2006/relationships" xmlns:p="http://schemas.openxmlformats.org/presentationml/2006/main">
   <p:cSld>
     <p:spTree>
@@ -6995,7 +8389,7 @@
 </p:sld>
 </file>
 
-<file path=ppt/slides/slide4.xml><?xml version="1.0" encoding="utf-8"?>
+<file path=ppt/slides/slide5.xml><?xml version="1.0" encoding="utf-8"?>
 <p:sld xmlns:a="http://schemas.openxmlformats.org/drawingml/2006/main" xmlns:r="http://schemas.openxmlformats.org/officeDocument/2006/relationships" xmlns:p="http://schemas.openxmlformats.org/presentationml/2006/main">
   <p:cSld>
     <p:spTree>
@@ -7411,7 +8805,7 @@
 </p:sld>
 </file>
 
-<file path=ppt/slides/slide5.xml><?xml version="1.0" encoding="utf-8"?>
+<file path=ppt/slides/slide6.xml><?xml version="1.0" encoding="utf-8"?>
 <p:sld xmlns:a="http://schemas.openxmlformats.org/drawingml/2006/main" xmlns:r="http://schemas.openxmlformats.org/officeDocument/2006/relationships" xmlns:p="http://schemas.openxmlformats.org/presentationml/2006/main">
   <p:cSld>
     <p:spTree>
@@ -7597,7 +8991,7 @@
           <a:p>
             <a:fld id="{089A015A-1AD9-46F4-A47D-C723C7F63AFF}" type="slidenum">
               <a:rPr lang="en-US" smtClean="0"/>
-              <a:t>5</a:t>
+              <a:t>6</a:t>
             </a:fld>
             <a:endParaRPr lang="en-US" dirty="0"/>
           </a:p>
